--- a/ppt/MickCaffery_T1A2_ppt.pptx
+++ b/ppt/MickCaffery_T1A2_ppt.pptx
@@ -5,10 +5,11 @@
     <p:sldMasterId id="2147483648" r:id="rId1"/>
   </p:sldMasterIdLst>
   <p:sldIdLst>
-    <p:sldId id="256" r:id="rId2"/>
-    <p:sldId id="258" r:id="rId3"/>
-    <p:sldId id="257" r:id="rId4"/>
-    <p:sldId id="259" r:id="rId5"/>
+    <p:sldId id="260" r:id="rId2"/>
+    <p:sldId id="256" r:id="rId3"/>
+    <p:sldId id="258" r:id="rId4"/>
+    <p:sldId id="257" r:id="rId5"/>
+    <p:sldId id="259" r:id="rId6"/>
   </p:sldIdLst>
   <p:sldSz cx="12192000" cy="6858000"/>
   <p:notesSz cx="6858000" cy="9144000"/>
@@ -107,7 +108,152 @@
       </a:defRPr>
     </a:lvl9pPr>
   </p:defaultTextStyle>
+  <p:extLst>
+    <p:ext uri="{EFAFB233-063F-42B5-8137-9DF3F51BA10A}">
+      <p15:sldGuideLst xmlns:p15="http://schemas.microsoft.com/office/powerpoint/2012/main"/>
+    </p:ext>
+  </p:extLst>
 </p:presentation>
+</file>
+
+<file path=ppt/revisionInfo.xml><?xml version="1.0" encoding="utf-8"?>
+<p1510:revInfo xmlns:a="http://schemas.openxmlformats.org/drawingml/2006/main" xmlns:r="http://schemas.openxmlformats.org/officeDocument/2006/relationships" xmlns:p1510="http://schemas.microsoft.com/office/powerpoint/2015/10/main">
+  <p1510:revLst>
+    <p1510:client id="{49240C5C-0F65-489F-BCBC-ADE07F21A2E4}" v="12" dt="2022-03-06T02:32:17.353"/>
+  </p1510:revLst>
+</p1510:revInfo>
+</file>
+
+<file path=ppt/changesInfos/changesInfo1.xml><?xml version="1.0" encoding="utf-8"?>
+<pc:chgInfo xmlns:a="http://schemas.openxmlformats.org/drawingml/2006/main" xmlns:r="http://schemas.openxmlformats.org/officeDocument/2006/relationships" xmlns:ac="http://schemas.microsoft.com/office/drawing/2013/main/command" xmlns:pc="http://schemas.microsoft.com/office/powerpoint/2013/main/command">
+  <pc:docChgLst>
+    <pc:chgData name="Michael Caffery" userId="12f4762016c048af" providerId="LiveId" clId="{49240C5C-0F65-489F-BCBC-ADE07F21A2E4}"/>
+    <pc:docChg chg="custSel addSld modSld sldOrd">
+      <pc:chgData name="Michael Caffery" userId="12f4762016c048af" providerId="LiveId" clId="{49240C5C-0F65-489F-BCBC-ADE07F21A2E4}" dt="2022-03-06T06:50:45.604" v="41" actId="1076"/>
+      <pc:docMkLst>
+        <pc:docMk/>
+      </pc:docMkLst>
+      <pc:sldChg chg="ord">
+        <pc:chgData name="Michael Caffery" userId="12f4762016c048af" providerId="LiveId" clId="{49240C5C-0F65-489F-BCBC-ADE07F21A2E4}" dt="2022-03-06T01:32:15.752" v="3"/>
+        <pc:sldMkLst>
+          <pc:docMk/>
+          <pc:sldMk cId="1024493385" sldId="256"/>
+        </pc:sldMkLst>
+      </pc:sldChg>
+      <pc:sldChg chg="addSp delSp modSp add mod">
+        <pc:chgData name="Michael Caffery" userId="12f4762016c048af" providerId="LiveId" clId="{49240C5C-0F65-489F-BCBC-ADE07F21A2E4}" dt="2022-03-06T06:50:45.604" v="41" actId="1076"/>
+        <pc:sldMkLst>
+          <pc:docMk/>
+          <pc:sldMk cId="3852797653" sldId="260"/>
+        </pc:sldMkLst>
+        <pc:picChg chg="add mod">
+          <ac:chgData name="Michael Caffery" userId="12f4762016c048af" providerId="LiveId" clId="{49240C5C-0F65-489F-BCBC-ADE07F21A2E4}" dt="2022-03-06T02:28:08.896" v="11" actId="1076"/>
+          <ac:picMkLst>
+            <pc:docMk/>
+            <pc:sldMk cId="3852797653" sldId="260"/>
+            <ac:picMk id="3" creationId="{B4B0633F-2126-48E4-9375-90BEF63B516C}"/>
+          </ac:picMkLst>
+        </pc:picChg>
+        <pc:picChg chg="del">
+          <ac:chgData name="Michael Caffery" userId="12f4762016c048af" providerId="LiveId" clId="{49240C5C-0F65-489F-BCBC-ADE07F21A2E4}" dt="2022-03-06T01:32:07.462" v="1" actId="478"/>
+          <ac:picMkLst>
+            <pc:docMk/>
+            <pc:sldMk cId="3852797653" sldId="260"/>
+            <ac:picMk id="5" creationId="{023ED476-4A78-42AA-B419-A3EC879C2A38}"/>
+          </ac:picMkLst>
+        </pc:picChg>
+        <pc:picChg chg="add mod">
+          <ac:chgData name="Michael Caffery" userId="12f4762016c048af" providerId="LiveId" clId="{49240C5C-0F65-489F-BCBC-ADE07F21A2E4}" dt="2022-03-06T02:28:10.694" v="14" actId="1076"/>
+          <ac:picMkLst>
+            <pc:docMk/>
+            <pc:sldMk cId="3852797653" sldId="260"/>
+            <ac:picMk id="6" creationId="{6F53C341-8CC9-463F-B347-AB10EBB6CCBB}"/>
+          </ac:picMkLst>
+        </pc:picChg>
+        <pc:picChg chg="add mod">
+          <ac:chgData name="Michael Caffery" userId="12f4762016c048af" providerId="LiveId" clId="{49240C5C-0F65-489F-BCBC-ADE07F21A2E4}" dt="2022-03-06T02:28:24.941" v="17" actId="27614"/>
+          <ac:picMkLst>
+            <pc:docMk/>
+            <pc:sldMk cId="3852797653" sldId="260"/>
+            <ac:picMk id="8" creationId="{5301B49C-E863-471C-807A-64993E876F34}"/>
+          </ac:picMkLst>
+        </pc:picChg>
+        <pc:picChg chg="add mod">
+          <ac:chgData name="Michael Caffery" userId="12f4762016c048af" providerId="LiveId" clId="{49240C5C-0F65-489F-BCBC-ADE07F21A2E4}" dt="2022-03-06T02:30:31.121" v="18" actId="931"/>
+          <ac:picMkLst>
+            <pc:docMk/>
+            <pc:sldMk cId="3852797653" sldId="260"/>
+            <ac:picMk id="10" creationId="{E289948C-066E-41DE-8B27-A26A7221709C}"/>
+          </ac:picMkLst>
+        </pc:picChg>
+        <pc:picChg chg="add mod">
+          <ac:chgData name="Michael Caffery" userId="12f4762016c048af" providerId="LiveId" clId="{49240C5C-0F65-489F-BCBC-ADE07F21A2E4}" dt="2022-03-06T02:30:46.518" v="20" actId="27614"/>
+          <ac:picMkLst>
+            <pc:docMk/>
+            <pc:sldMk cId="3852797653" sldId="260"/>
+            <ac:picMk id="12" creationId="{A6081414-A1A3-4E19-A18D-9106678804B5}"/>
+          </ac:picMkLst>
+        </pc:picChg>
+        <pc:picChg chg="add mod">
+          <ac:chgData name="Michael Caffery" userId="12f4762016c048af" providerId="LiveId" clId="{49240C5C-0F65-489F-BCBC-ADE07F21A2E4}" dt="2022-03-06T02:30:57.485" v="23" actId="27614"/>
+          <ac:picMkLst>
+            <pc:docMk/>
+            <pc:sldMk cId="3852797653" sldId="260"/>
+            <ac:picMk id="14" creationId="{CA6D96E0-BAB8-4A04-A98F-023A7C6B54A4}"/>
+          </ac:picMkLst>
+        </pc:picChg>
+        <pc:picChg chg="add mod">
+          <ac:chgData name="Michael Caffery" userId="12f4762016c048af" providerId="LiveId" clId="{49240C5C-0F65-489F-BCBC-ADE07F21A2E4}" dt="2022-03-06T02:31:16.203" v="25" actId="27614"/>
+          <ac:picMkLst>
+            <pc:docMk/>
+            <pc:sldMk cId="3852797653" sldId="260"/>
+            <ac:picMk id="16" creationId="{3022C4E7-C7A9-467E-8ED4-7B9101809A32}"/>
+          </ac:picMkLst>
+        </pc:picChg>
+        <pc:picChg chg="add mod">
+          <ac:chgData name="Michael Caffery" userId="12f4762016c048af" providerId="LiveId" clId="{49240C5C-0F65-489F-BCBC-ADE07F21A2E4}" dt="2022-03-06T02:31:30.379" v="28" actId="27614"/>
+          <ac:picMkLst>
+            <pc:docMk/>
+            <pc:sldMk cId="3852797653" sldId="260"/>
+            <ac:picMk id="18" creationId="{B3E17731-8444-4EF8-8DB3-72D9E4947748}"/>
+          </ac:picMkLst>
+        </pc:picChg>
+        <pc:picChg chg="add mod">
+          <ac:chgData name="Michael Caffery" userId="12f4762016c048af" providerId="LiveId" clId="{49240C5C-0F65-489F-BCBC-ADE07F21A2E4}" dt="2022-03-06T02:31:38.253" v="31" actId="27614"/>
+          <ac:picMkLst>
+            <pc:docMk/>
+            <pc:sldMk cId="3852797653" sldId="260"/>
+            <ac:picMk id="20" creationId="{619CD982-3D18-40A5-B5DA-628FF6DDD002}"/>
+          </ac:picMkLst>
+        </pc:picChg>
+        <pc:picChg chg="add del mod">
+          <ac:chgData name="Michael Caffery" userId="12f4762016c048af" providerId="LiveId" clId="{49240C5C-0F65-489F-BCBC-ADE07F21A2E4}" dt="2022-03-06T02:31:55.092" v="35" actId="478"/>
+          <ac:picMkLst>
+            <pc:docMk/>
+            <pc:sldMk cId="3852797653" sldId="260"/>
+            <ac:picMk id="22" creationId="{3BA2D2F9-394D-4D29-80E4-038D08DB6E9F}"/>
+          </ac:picMkLst>
+        </pc:picChg>
+        <pc:picChg chg="add mod">
+          <ac:chgData name="Michael Caffery" userId="12f4762016c048af" providerId="LiveId" clId="{49240C5C-0F65-489F-BCBC-ADE07F21A2E4}" dt="2022-03-06T02:32:10.207" v="38" actId="27614"/>
+          <ac:picMkLst>
+            <pc:docMk/>
+            <pc:sldMk cId="3852797653" sldId="260"/>
+            <ac:picMk id="24" creationId="{4419F43B-A9C7-4AD2-BC1D-EF78B44772B0}"/>
+          </ac:picMkLst>
+        </pc:picChg>
+        <pc:picChg chg="add mod">
+          <ac:chgData name="Michael Caffery" userId="12f4762016c048af" providerId="LiveId" clId="{49240C5C-0F65-489F-BCBC-ADE07F21A2E4}" dt="2022-03-06T06:50:45.604" v="41" actId="1076"/>
+          <ac:picMkLst>
+            <pc:docMk/>
+            <pc:sldMk cId="3852797653" sldId="260"/>
+            <ac:picMk id="26" creationId="{3E45BC5B-1C6E-4C63-804B-F454E34A70C6}"/>
+          </ac:picMkLst>
+        </pc:picChg>
+      </pc:sldChg>
+    </pc:docChg>
+  </pc:docChgLst>
+</pc:chgInfo>
 </file>
 
 <file path=ppt/slideLayouts/slideLayout1.xml><?xml version="1.0" encoding="utf-8"?>
@@ -259,7 +405,7 @@
           <a:p>
             <a:fld id="{B9EBC939-C5D2-4C94-9AE4-6141549D01A2}" type="datetimeFigureOut">
               <a:rPr lang="en-AU" smtClean="0"/>
-              <a:t>3/03/2022</a:t>
+              <a:t>6/03/2022</a:t>
             </a:fld>
             <a:endParaRPr lang="en-AU"/>
           </a:p>
@@ -459,7 +605,7 @@
           <a:p>
             <a:fld id="{B9EBC939-C5D2-4C94-9AE4-6141549D01A2}" type="datetimeFigureOut">
               <a:rPr lang="en-AU" smtClean="0"/>
-              <a:t>3/03/2022</a:t>
+              <a:t>6/03/2022</a:t>
             </a:fld>
             <a:endParaRPr lang="en-AU"/>
           </a:p>
@@ -669,7 +815,7 @@
           <a:p>
             <a:fld id="{B9EBC939-C5D2-4C94-9AE4-6141549D01A2}" type="datetimeFigureOut">
               <a:rPr lang="en-AU" smtClean="0"/>
-              <a:t>3/03/2022</a:t>
+              <a:t>6/03/2022</a:t>
             </a:fld>
             <a:endParaRPr lang="en-AU"/>
           </a:p>
@@ -869,7 +1015,7 @@
           <a:p>
             <a:fld id="{B9EBC939-C5D2-4C94-9AE4-6141549D01A2}" type="datetimeFigureOut">
               <a:rPr lang="en-AU" smtClean="0"/>
-              <a:t>3/03/2022</a:t>
+              <a:t>6/03/2022</a:t>
             </a:fld>
             <a:endParaRPr lang="en-AU"/>
           </a:p>
@@ -1145,7 +1291,7 @@
           <a:p>
             <a:fld id="{B9EBC939-C5D2-4C94-9AE4-6141549D01A2}" type="datetimeFigureOut">
               <a:rPr lang="en-AU" smtClean="0"/>
-              <a:t>3/03/2022</a:t>
+              <a:t>6/03/2022</a:t>
             </a:fld>
             <a:endParaRPr lang="en-AU"/>
           </a:p>
@@ -1413,7 +1559,7 @@
           <a:p>
             <a:fld id="{B9EBC939-C5D2-4C94-9AE4-6141549D01A2}" type="datetimeFigureOut">
               <a:rPr lang="en-AU" smtClean="0"/>
-              <a:t>3/03/2022</a:t>
+              <a:t>6/03/2022</a:t>
             </a:fld>
             <a:endParaRPr lang="en-AU"/>
           </a:p>
@@ -1828,7 +1974,7 @@
           <a:p>
             <a:fld id="{B9EBC939-C5D2-4C94-9AE4-6141549D01A2}" type="datetimeFigureOut">
               <a:rPr lang="en-AU" smtClean="0"/>
-              <a:t>3/03/2022</a:t>
+              <a:t>6/03/2022</a:t>
             </a:fld>
             <a:endParaRPr lang="en-AU"/>
           </a:p>
@@ -1970,7 +2116,7 @@
           <a:p>
             <a:fld id="{B9EBC939-C5D2-4C94-9AE4-6141549D01A2}" type="datetimeFigureOut">
               <a:rPr lang="en-AU" smtClean="0"/>
-              <a:t>3/03/2022</a:t>
+              <a:t>6/03/2022</a:t>
             </a:fld>
             <a:endParaRPr lang="en-AU"/>
           </a:p>
@@ -2083,7 +2229,7 @@
           <a:p>
             <a:fld id="{B9EBC939-C5D2-4C94-9AE4-6141549D01A2}" type="datetimeFigureOut">
               <a:rPr lang="en-AU" smtClean="0"/>
-              <a:t>3/03/2022</a:t>
+              <a:t>6/03/2022</a:t>
             </a:fld>
             <a:endParaRPr lang="en-AU"/>
           </a:p>
@@ -2396,7 +2542,7 @@
           <a:p>
             <a:fld id="{B9EBC939-C5D2-4C94-9AE4-6141549D01A2}" type="datetimeFigureOut">
               <a:rPr lang="en-AU" smtClean="0"/>
-              <a:t>3/03/2022</a:t>
+              <a:t>6/03/2022</a:t>
             </a:fld>
             <a:endParaRPr lang="en-AU"/>
           </a:p>
@@ -2685,7 +2831,7 @@
           <a:p>
             <a:fld id="{B9EBC939-C5D2-4C94-9AE4-6141549D01A2}" type="datetimeFigureOut">
               <a:rPr lang="en-AU" smtClean="0"/>
-              <a:t>3/03/2022</a:t>
+              <a:t>6/03/2022</a:t>
             </a:fld>
             <a:endParaRPr lang="en-AU"/>
           </a:p>
@@ -2928,7 +3074,7 @@
           <a:p>
             <a:fld id="{B9EBC939-C5D2-4C94-9AE4-6141549D01A2}" type="datetimeFigureOut">
               <a:rPr lang="en-AU" smtClean="0"/>
-              <a:t>3/03/2022</a:t>
+              <a:t>6/03/2022</a:t>
             </a:fld>
             <a:endParaRPr lang="en-AU"/>
           </a:p>
@@ -3347,6 +3493,432 @@
       </p:grpSpPr>
       <p:pic>
         <p:nvPicPr>
+          <p:cNvPr id="3" name="Picture 2" descr="Shape&#10;&#10;Description automatically generated">
+            <a:extLst>
+              <a:ext uri="{FF2B5EF4-FFF2-40B4-BE49-F238E27FC236}">
+                <a16:creationId xmlns:a16="http://schemas.microsoft.com/office/drawing/2014/main" id="{B4B0633F-2126-48E4-9375-90BEF63B516C}"/>
+              </a:ext>
+            </a:extLst>
+          </p:cNvPr>
+          <p:cNvPicPr>
+            <a:picLocks noChangeAspect="1"/>
+          </p:cNvPicPr>
+          <p:nvPr/>
+        </p:nvPicPr>
+        <p:blipFill>
+          <a:blip r:embed="rId2">
+            <a:extLst>
+              <a:ext uri="{28A0092B-C50C-407E-A947-70E740481C1C}">
+                <a14:useLocalDpi xmlns:a14="http://schemas.microsoft.com/office/drawing/2010/main" val="0"/>
+              </a:ext>
+            </a:extLst>
+          </a:blip>
+          <a:stretch>
+            <a:fillRect/>
+          </a:stretch>
+        </p:blipFill>
+        <p:spPr>
+          <a:xfrm>
+            <a:off x="211228" y="133125"/>
+            <a:ext cx="2444483" cy="2419575"/>
+          </a:xfrm>
+          <a:prstGeom prst="rect">
+            <a:avLst/>
+          </a:prstGeom>
+        </p:spPr>
+      </p:pic>
+      <p:pic>
+        <p:nvPicPr>
+          <p:cNvPr id="6" name="Picture 5" descr="Icon&#10;&#10;Description automatically generated">
+            <a:extLst>
+              <a:ext uri="{FF2B5EF4-FFF2-40B4-BE49-F238E27FC236}">
+                <a16:creationId xmlns:a16="http://schemas.microsoft.com/office/drawing/2014/main" id="{6F53C341-8CC9-463F-B347-AB10EBB6CCBB}"/>
+              </a:ext>
+            </a:extLst>
+          </p:cNvPr>
+          <p:cNvPicPr>
+            <a:picLocks noChangeAspect="1"/>
+          </p:cNvPicPr>
+          <p:nvPr/>
+        </p:nvPicPr>
+        <p:blipFill>
+          <a:blip r:embed="rId3">
+            <a:extLst>
+              <a:ext uri="{28A0092B-C50C-407E-A947-70E740481C1C}">
+                <a14:useLocalDpi xmlns:a14="http://schemas.microsoft.com/office/drawing/2010/main" val="0"/>
+              </a:ext>
+            </a:extLst>
+          </a:blip>
+          <a:stretch>
+            <a:fillRect/>
+          </a:stretch>
+        </p:blipFill>
+        <p:spPr>
+          <a:xfrm>
+            <a:off x="2960281" y="133125"/>
+            <a:ext cx="2042337" cy="2667231"/>
+          </a:xfrm>
+          <a:prstGeom prst="rect">
+            <a:avLst/>
+          </a:prstGeom>
+        </p:spPr>
+      </p:pic>
+      <p:pic>
+        <p:nvPicPr>
+          <p:cNvPr id="8" name="Picture 7" descr="Icon&#10;&#10;Description automatically generated">
+            <a:extLst>
+              <a:ext uri="{FF2B5EF4-FFF2-40B4-BE49-F238E27FC236}">
+                <a16:creationId xmlns:a16="http://schemas.microsoft.com/office/drawing/2014/main" id="{5301B49C-E863-471C-807A-64993E876F34}"/>
+              </a:ext>
+            </a:extLst>
+          </p:cNvPr>
+          <p:cNvPicPr>
+            <a:picLocks noChangeAspect="1"/>
+          </p:cNvPicPr>
+          <p:nvPr/>
+        </p:nvPicPr>
+        <p:blipFill>
+          <a:blip r:embed="rId4">
+            <a:extLst>
+              <a:ext uri="{28A0092B-C50C-407E-A947-70E740481C1C}">
+                <a14:useLocalDpi xmlns:a14="http://schemas.microsoft.com/office/drawing/2010/main" val="0"/>
+              </a:ext>
+            </a:extLst>
+          </a:blip>
+          <a:stretch>
+            <a:fillRect/>
+          </a:stretch>
+        </p:blipFill>
+        <p:spPr>
+          <a:xfrm>
+            <a:off x="5307188" y="133125"/>
+            <a:ext cx="2110923" cy="2415749"/>
+          </a:xfrm>
+          <a:prstGeom prst="rect">
+            <a:avLst/>
+          </a:prstGeom>
+        </p:spPr>
+      </p:pic>
+      <p:pic>
+        <p:nvPicPr>
+          <p:cNvPr id="10" name="Picture 9">
+            <a:extLst>
+              <a:ext uri="{FF2B5EF4-FFF2-40B4-BE49-F238E27FC236}">
+                <a16:creationId xmlns:a16="http://schemas.microsoft.com/office/drawing/2014/main" id="{E289948C-066E-41DE-8B27-A26A7221709C}"/>
+              </a:ext>
+            </a:extLst>
+          </p:cNvPr>
+          <p:cNvPicPr>
+            <a:picLocks noChangeAspect="1"/>
+          </p:cNvPicPr>
+          <p:nvPr/>
+        </p:nvPicPr>
+        <p:blipFill>
+          <a:blip r:embed="rId5">
+            <a:extLst>
+              <a:ext uri="{28A0092B-C50C-407E-A947-70E740481C1C}">
+                <a14:useLocalDpi xmlns:a14="http://schemas.microsoft.com/office/drawing/2010/main" val="0"/>
+              </a:ext>
+            </a:extLst>
+          </a:blip>
+          <a:stretch>
+            <a:fillRect/>
+          </a:stretch>
+        </p:blipFill>
+        <p:spPr>
+          <a:xfrm>
+            <a:off x="5261537" y="2746951"/>
+            <a:ext cx="1668925" cy="1364098"/>
+          </a:xfrm>
+          <a:prstGeom prst="rect">
+            <a:avLst/>
+          </a:prstGeom>
+        </p:spPr>
+      </p:pic>
+      <p:pic>
+        <p:nvPicPr>
+          <p:cNvPr id="12" name="Picture 11" descr="Icon&#10;&#10;Description automatically generated">
+            <a:extLst>
+              <a:ext uri="{FF2B5EF4-FFF2-40B4-BE49-F238E27FC236}">
+                <a16:creationId xmlns:a16="http://schemas.microsoft.com/office/drawing/2014/main" id="{A6081414-A1A3-4E19-A18D-9106678804B5}"/>
+              </a:ext>
+            </a:extLst>
+          </p:cNvPr>
+          <p:cNvPicPr>
+            <a:picLocks noChangeAspect="1"/>
+          </p:cNvPicPr>
+          <p:nvPr/>
+        </p:nvPicPr>
+        <p:blipFill>
+          <a:blip r:embed="rId6">
+            <a:extLst>
+              <a:ext uri="{28A0092B-C50C-407E-A947-70E740481C1C}">
+                <a14:useLocalDpi xmlns:a14="http://schemas.microsoft.com/office/drawing/2010/main" val="0"/>
+              </a:ext>
+            </a:extLst>
+          </a:blip>
+          <a:stretch>
+            <a:fillRect/>
+          </a:stretch>
+        </p:blipFill>
+        <p:spPr>
+          <a:xfrm>
+            <a:off x="5219624" y="2701227"/>
+            <a:ext cx="1752752" cy="1455546"/>
+          </a:xfrm>
+          <a:prstGeom prst="rect">
+            <a:avLst/>
+          </a:prstGeom>
+        </p:spPr>
+      </p:pic>
+      <p:pic>
+        <p:nvPicPr>
+          <p:cNvPr id="14" name="Picture 13" descr="Icon&#10;&#10;Description automatically generated">
+            <a:extLst>
+              <a:ext uri="{FF2B5EF4-FFF2-40B4-BE49-F238E27FC236}">
+                <a16:creationId xmlns:a16="http://schemas.microsoft.com/office/drawing/2014/main" id="{CA6D96E0-BAB8-4A04-A98F-023A7C6B54A4}"/>
+              </a:ext>
+            </a:extLst>
+          </p:cNvPr>
+          <p:cNvPicPr>
+            <a:picLocks noChangeAspect="1"/>
+          </p:cNvPicPr>
+          <p:nvPr/>
+        </p:nvPicPr>
+        <p:blipFill>
+          <a:blip r:embed="rId7">
+            <a:extLst>
+              <a:ext uri="{28A0092B-C50C-407E-A947-70E740481C1C}">
+                <a14:useLocalDpi xmlns:a14="http://schemas.microsoft.com/office/drawing/2010/main" val="0"/>
+              </a:ext>
+            </a:extLst>
+          </a:blip>
+          <a:stretch>
+            <a:fillRect/>
+          </a:stretch>
+        </p:blipFill>
+        <p:spPr>
+          <a:xfrm>
+            <a:off x="8035227" y="354123"/>
+            <a:ext cx="1455546" cy="1973751"/>
+          </a:xfrm>
+          <a:prstGeom prst="rect">
+            <a:avLst/>
+          </a:prstGeom>
+        </p:spPr>
+      </p:pic>
+      <p:pic>
+        <p:nvPicPr>
+          <p:cNvPr id="16" name="Picture 15" descr="Diagram&#10;&#10;Description automatically generated">
+            <a:extLst>
+              <a:ext uri="{FF2B5EF4-FFF2-40B4-BE49-F238E27FC236}">
+                <a16:creationId xmlns:a16="http://schemas.microsoft.com/office/drawing/2014/main" id="{3022C4E7-C7A9-467E-8ED4-7B9101809A32}"/>
+              </a:ext>
+            </a:extLst>
+          </p:cNvPr>
+          <p:cNvPicPr>
+            <a:picLocks noChangeAspect="1"/>
+          </p:cNvPicPr>
+          <p:nvPr/>
+        </p:nvPicPr>
+        <p:blipFill>
+          <a:blip r:embed="rId8">
+            <a:extLst>
+              <a:ext uri="{28A0092B-C50C-407E-A947-70E740481C1C}">
+                <a14:useLocalDpi xmlns:a14="http://schemas.microsoft.com/office/drawing/2010/main" val="0"/>
+              </a:ext>
+            </a:extLst>
+          </a:blip>
+          <a:stretch>
+            <a:fillRect/>
+          </a:stretch>
+        </p:blipFill>
+        <p:spPr>
+          <a:xfrm>
+            <a:off x="5139607" y="2632641"/>
+            <a:ext cx="1912786" cy="1592718"/>
+          </a:xfrm>
+          <a:prstGeom prst="rect">
+            <a:avLst/>
+          </a:prstGeom>
+        </p:spPr>
+      </p:pic>
+      <p:pic>
+        <p:nvPicPr>
+          <p:cNvPr id="18" name="Picture 17" descr="Icon&#10;&#10;Description automatically generated">
+            <a:extLst>
+              <a:ext uri="{FF2B5EF4-FFF2-40B4-BE49-F238E27FC236}">
+                <a16:creationId xmlns:a16="http://schemas.microsoft.com/office/drawing/2014/main" id="{B3E17731-8444-4EF8-8DB3-72D9E4947748}"/>
+              </a:ext>
+            </a:extLst>
+          </p:cNvPr>
+          <p:cNvPicPr>
+            <a:picLocks noChangeAspect="1"/>
+          </p:cNvPicPr>
+          <p:nvPr/>
+        </p:nvPicPr>
+        <p:blipFill>
+          <a:blip r:embed="rId9">
+            <a:extLst>
+              <a:ext uri="{28A0092B-C50C-407E-A947-70E740481C1C}">
+                <a14:useLocalDpi xmlns:a14="http://schemas.microsoft.com/office/drawing/2010/main" val="0"/>
+              </a:ext>
+            </a:extLst>
+          </a:blip>
+          <a:stretch>
+            <a:fillRect/>
+          </a:stretch>
+        </p:blipFill>
+        <p:spPr>
+          <a:xfrm>
+            <a:off x="211228" y="3147035"/>
+            <a:ext cx="2248095" cy="2019475"/>
+          </a:xfrm>
+          <a:prstGeom prst="rect">
+            <a:avLst/>
+          </a:prstGeom>
+        </p:spPr>
+      </p:pic>
+      <p:pic>
+        <p:nvPicPr>
+          <p:cNvPr id="20" name="Picture 19" descr="Icon&#10;&#10;Description automatically generated">
+            <a:extLst>
+              <a:ext uri="{FF2B5EF4-FFF2-40B4-BE49-F238E27FC236}">
+                <a16:creationId xmlns:a16="http://schemas.microsoft.com/office/drawing/2014/main" id="{619CD982-3D18-40A5-B5DA-628FF6DDD002}"/>
+              </a:ext>
+            </a:extLst>
+          </p:cNvPr>
+          <p:cNvPicPr>
+            <a:picLocks noChangeAspect="1"/>
+          </p:cNvPicPr>
+          <p:nvPr/>
+        </p:nvPicPr>
+        <p:blipFill>
+          <a:blip r:embed="rId10">
+            <a:extLst>
+              <a:ext uri="{28A0092B-C50C-407E-A947-70E740481C1C}">
+                <a14:useLocalDpi xmlns:a14="http://schemas.microsoft.com/office/drawing/2010/main" val="0"/>
+              </a:ext>
+            </a:extLst>
+          </a:blip>
+          <a:stretch>
+            <a:fillRect/>
+          </a:stretch>
+        </p:blipFill>
+        <p:spPr>
+          <a:xfrm>
+            <a:off x="2960281" y="3261345"/>
+            <a:ext cx="1676545" cy="1928027"/>
+          </a:xfrm>
+          <a:prstGeom prst="rect">
+            <a:avLst/>
+          </a:prstGeom>
+        </p:spPr>
+      </p:pic>
+      <p:pic>
+        <p:nvPicPr>
+          <p:cNvPr id="24" name="Picture 23" descr="Icon&#10;&#10;Description automatically generated">
+            <a:extLst>
+              <a:ext uri="{FF2B5EF4-FFF2-40B4-BE49-F238E27FC236}">
+                <a16:creationId xmlns:a16="http://schemas.microsoft.com/office/drawing/2014/main" id="{4419F43B-A9C7-4AD2-BC1D-EF78B44772B0}"/>
+              </a:ext>
+            </a:extLst>
+          </p:cNvPr>
+          <p:cNvPicPr>
+            <a:picLocks noChangeAspect="1"/>
+          </p:cNvPicPr>
+          <p:nvPr/>
+        </p:nvPicPr>
+        <p:blipFill>
+          <a:blip r:embed="rId11">
+            <a:extLst>
+              <a:ext uri="{28A0092B-C50C-407E-A947-70E740481C1C}">
+                <a14:useLocalDpi xmlns:a14="http://schemas.microsoft.com/office/drawing/2010/main" val="0"/>
+              </a:ext>
+            </a:extLst>
+          </a:blip>
+          <a:stretch>
+            <a:fillRect/>
+          </a:stretch>
+        </p:blipFill>
+        <p:spPr>
+          <a:xfrm>
+            <a:off x="7481048" y="2800356"/>
+            <a:ext cx="1813717" cy="1508891"/>
+          </a:xfrm>
+          <a:prstGeom prst="rect">
+            <a:avLst/>
+          </a:prstGeom>
+        </p:spPr>
+      </p:pic>
+      <p:pic>
+        <p:nvPicPr>
+          <p:cNvPr id="26" name="Picture 25" descr="Shape&#10;&#10;Description automatically generated with low confidence">
+            <a:extLst>
+              <a:ext uri="{FF2B5EF4-FFF2-40B4-BE49-F238E27FC236}">
+                <a16:creationId xmlns:a16="http://schemas.microsoft.com/office/drawing/2014/main" id="{3E45BC5B-1C6E-4C63-804B-F454E34A70C6}"/>
+              </a:ext>
+            </a:extLst>
+          </p:cNvPr>
+          <p:cNvPicPr>
+            <a:picLocks noChangeAspect="1"/>
+          </p:cNvPicPr>
+          <p:nvPr/>
+        </p:nvPicPr>
+        <p:blipFill>
+          <a:blip r:embed="rId12">
+            <a:extLst>
+              <a:ext uri="{28A0092B-C50C-407E-A947-70E740481C1C}">
+                <a14:useLocalDpi xmlns:a14="http://schemas.microsoft.com/office/drawing/2010/main" val="0"/>
+              </a:ext>
+            </a:extLst>
+          </a:blip>
+          <a:stretch>
+            <a:fillRect/>
+          </a:stretch>
+        </p:blipFill>
+        <p:spPr>
+          <a:xfrm>
+            <a:off x="9774684" y="2670743"/>
+            <a:ext cx="1882303" cy="1554615"/>
+          </a:xfrm>
+          <a:prstGeom prst="rect">
+            <a:avLst/>
+          </a:prstGeom>
+        </p:spPr>
+      </p:pic>
+    </p:spTree>
+    <p:extLst>
+      <p:ext uri="{BB962C8B-B14F-4D97-AF65-F5344CB8AC3E}">
+        <p14:creationId xmlns:p14="http://schemas.microsoft.com/office/powerpoint/2010/main" val="3852797653"/>
+      </p:ext>
+    </p:extLst>
+  </p:cSld>
+  <p:clrMapOvr>
+    <a:masterClrMapping/>
+  </p:clrMapOvr>
+</p:sld>
+</file>
+
+<file path=ppt/slides/slide2.xml><?xml version="1.0" encoding="utf-8"?>
+<p:sld xmlns:a="http://schemas.openxmlformats.org/drawingml/2006/main" xmlns:r="http://schemas.openxmlformats.org/officeDocument/2006/relationships" xmlns:p="http://schemas.openxmlformats.org/presentationml/2006/main">
+  <p:cSld>
+    <p:spTree>
+      <p:nvGrpSpPr>
+        <p:cNvPr id="1" name=""/>
+        <p:cNvGrpSpPr/>
+        <p:nvPr/>
+      </p:nvGrpSpPr>
+      <p:grpSpPr>
+        <a:xfrm>
+          <a:off x="0" y="0"/>
+          <a:ext cx="0" cy="0"/>
+          <a:chOff x="0" y="0"/>
+          <a:chExt cx="0" cy="0"/>
+        </a:xfrm>
+      </p:grpSpPr>
+      <p:pic>
+        <p:nvPicPr>
           <p:cNvPr id="5" name="Picture 4" descr="Graphical user interface, text, application, email&#10;&#10;Description automatically generated">
             <a:extLst>
               <a:ext uri="{FF2B5EF4-FFF2-40B4-BE49-F238E27FC236}">
@@ -3394,7 +3966,7 @@
 </p:sld>
 </file>
 
-<file path=ppt/slides/slide2.xml><?xml version="1.0" encoding="utf-8"?>
+<file path=ppt/slides/slide3.xml><?xml version="1.0" encoding="utf-8"?>
 <p:sld xmlns:a="http://schemas.openxmlformats.org/drawingml/2006/main" xmlns:r="http://schemas.openxmlformats.org/officeDocument/2006/relationships" xmlns:p="http://schemas.openxmlformats.org/presentationml/2006/main">
   <p:cSld>
     <p:spTree>
@@ -3583,7 +4155,7 @@
 </p:sld>
 </file>
 
-<file path=ppt/slides/slide3.xml><?xml version="1.0" encoding="utf-8"?>
+<file path=ppt/slides/slide4.xml><?xml version="1.0" encoding="utf-8"?>
 <p:sld xmlns:a="http://schemas.openxmlformats.org/drawingml/2006/main" xmlns:r="http://schemas.openxmlformats.org/officeDocument/2006/relationships" xmlns:p="http://schemas.openxmlformats.org/presentationml/2006/main">
   <p:cSld>
     <p:spTree>
@@ -3900,7 +4472,7 @@
 </p:sld>
 </file>
 
-<file path=ppt/slides/slide4.xml><?xml version="1.0" encoding="utf-8"?>
+<file path=ppt/slides/slide5.xml><?xml version="1.0" encoding="utf-8"?>
 <p:sld xmlns:a="http://schemas.openxmlformats.org/drawingml/2006/main" xmlns:r="http://schemas.openxmlformats.org/officeDocument/2006/relationships" xmlns:p="http://schemas.openxmlformats.org/presentationml/2006/main">
   <p:cSld>
     <p:spTree>
